--- a/Week8 Activities.pptx
+++ b/Week8 Activities.pptx
@@ -8,6 +8,8 @@
     <p:sldId id="256" r:id="rId2"/>
     <p:sldId id="257" r:id="rId3"/>
     <p:sldId id="258" r:id="rId4"/>
+    <p:sldId id="259" r:id="rId5"/>
+    <p:sldId id="260" r:id="rId6"/>
   </p:sldIdLst>
   <p:sldSz cx="12192000" cy="6858000"/>
   <p:notesSz cx="6858000" cy="9144000"/>
@@ -263,7 +265,7 @@
           <a:p>
             <a:fld id="{C81B2798-79B9-4686-9A79-37A606F8261F}" type="datetimeFigureOut">
               <a:rPr lang="en-AU" smtClean="0"/>
-              <a:t>9/09/2024</a:t>
+              <a:t>15/09/2024</a:t>
             </a:fld>
             <a:endParaRPr lang="en-AU"/>
           </a:p>
@@ -463,7 +465,7 @@
           <a:p>
             <a:fld id="{C81B2798-79B9-4686-9A79-37A606F8261F}" type="datetimeFigureOut">
               <a:rPr lang="en-AU" smtClean="0"/>
-              <a:t>9/09/2024</a:t>
+              <a:t>15/09/2024</a:t>
             </a:fld>
             <a:endParaRPr lang="en-AU"/>
           </a:p>
@@ -673,7 +675,7 @@
           <a:p>
             <a:fld id="{C81B2798-79B9-4686-9A79-37A606F8261F}" type="datetimeFigureOut">
               <a:rPr lang="en-AU" smtClean="0"/>
-              <a:t>9/09/2024</a:t>
+              <a:t>15/09/2024</a:t>
             </a:fld>
             <a:endParaRPr lang="en-AU"/>
           </a:p>
@@ -873,7 +875,7 @@
           <a:p>
             <a:fld id="{C81B2798-79B9-4686-9A79-37A606F8261F}" type="datetimeFigureOut">
               <a:rPr lang="en-AU" smtClean="0"/>
-              <a:t>9/09/2024</a:t>
+              <a:t>15/09/2024</a:t>
             </a:fld>
             <a:endParaRPr lang="en-AU"/>
           </a:p>
@@ -1149,7 +1151,7 @@
           <a:p>
             <a:fld id="{C81B2798-79B9-4686-9A79-37A606F8261F}" type="datetimeFigureOut">
               <a:rPr lang="en-AU" smtClean="0"/>
-              <a:t>9/09/2024</a:t>
+              <a:t>15/09/2024</a:t>
             </a:fld>
             <a:endParaRPr lang="en-AU"/>
           </a:p>
@@ -1417,7 +1419,7 @@
           <a:p>
             <a:fld id="{C81B2798-79B9-4686-9A79-37A606F8261F}" type="datetimeFigureOut">
               <a:rPr lang="en-AU" smtClean="0"/>
-              <a:t>9/09/2024</a:t>
+              <a:t>15/09/2024</a:t>
             </a:fld>
             <a:endParaRPr lang="en-AU"/>
           </a:p>
@@ -1832,7 +1834,7 @@
           <a:p>
             <a:fld id="{C81B2798-79B9-4686-9A79-37A606F8261F}" type="datetimeFigureOut">
               <a:rPr lang="en-AU" smtClean="0"/>
-              <a:t>9/09/2024</a:t>
+              <a:t>15/09/2024</a:t>
             </a:fld>
             <a:endParaRPr lang="en-AU"/>
           </a:p>
@@ -1974,7 +1976,7 @@
           <a:p>
             <a:fld id="{C81B2798-79B9-4686-9A79-37A606F8261F}" type="datetimeFigureOut">
               <a:rPr lang="en-AU" smtClean="0"/>
-              <a:t>9/09/2024</a:t>
+              <a:t>15/09/2024</a:t>
             </a:fld>
             <a:endParaRPr lang="en-AU"/>
           </a:p>
@@ -2087,7 +2089,7 @@
           <a:p>
             <a:fld id="{C81B2798-79B9-4686-9A79-37A606F8261F}" type="datetimeFigureOut">
               <a:rPr lang="en-AU" smtClean="0"/>
-              <a:t>9/09/2024</a:t>
+              <a:t>15/09/2024</a:t>
             </a:fld>
             <a:endParaRPr lang="en-AU"/>
           </a:p>
@@ -2400,7 +2402,7 @@
           <a:p>
             <a:fld id="{C81B2798-79B9-4686-9A79-37A606F8261F}" type="datetimeFigureOut">
               <a:rPr lang="en-AU" smtClean="0"/>
-              <a:t>9/09/2024</a:t>
+              <a:t>15/09/2024</a:t>
             </a:fld>
             <a:endParaRPr lang="en-AU"/>
           </a:p>
@@ -2689,7 +2691,7 @@
           <a:p>
             <a:fld id="{C81B2798-79B9-4686-9A79-37A606F8261F}" type="datetimeFigureOut">
               <a:rPr lang="en-AU" smtClean="0"/>
-              <a:t>9/09/2024</a:t>
+              <a:t>15/09/2024</a:t>
             </a:fld>
             <a:endParaRPr lang="en-AU"/>
           </a:p>
@@ -2932,7 +2934,7 @@
           <a:p>
             <a:fld id="{C81B2798-79B9-4686-9A79-37A606F8261F}" type="datetimeFigureOut">
               <a:rPr lang="en-AU" smtClean="0"/>
-              <a:t>9/09/2024</a:t>
+              <a:t>15/09/2024</a:t>
             </a:fld>
             <a:endParaRPr lang="en-AU"/>
           </a:p>
@@ -3571,7 +3573,11 @@
           <a:bodyPr/>
           <a:lstStyle/>
           <a:p>
-            <a:endParaRPr lang="en-AU"/>
+            <a:r>
+              <a:rPr lang="en-US" dirty="0"/>
+              <a:t>Completion of Week8 Handouts</a:t>
+            </a:r>
+            <a:endParaRPr lang="en-AU" dirty="0"/>
           </a:p>
         </p:txBody>
       </p:sp>
@@ -3596,7 +3602,16 @@
           <a:bodyPr/>
           <a:lstStyle/>
           <a:p>
-            <a:endParaRPr lang="en-AU"/>
+            <a:r>
+              <a:rPr lang="en-US" dirty="0"/>
+              <a:t>Completed the weekly handouts to gain understanding of different types of cyber attacks and be able to identify them.</a:t>
+            </a:r>
+          </a:p>
+          <a:p>
+            <a:endParaRPr lang="en-US" dirty="0"/>
+          </a:p>
+          <a:p>
+            <a:endParaRPr lang="en-AU" dirty="0"/>
           </a:p>
         </p:txBody>
       </p:sp>
@@ -3604,6 +3619,245 @@
     <p:extLst>
       <p:ext uri="{BB962C8B-B14F-4D97-AF65-F5344CB8AC3E}">
         <p14:creationId xmlns:p14="http://schemas.microsoft.com/office/powerpoint/2010/main" val="2705325898"/>
+      </p:ext>
+    </p:extLst>
+  </p:cSld>
+  <p:clrMapOvr>
+    <a:masterClrMapping/>
+  </p:clrMapOvr>
+</p:sld>
+</file>
+
+<file path=ppt/slides/slide4.xml><?xml version="1.0" encoding="utf-8"?>
+<p:sld xmlns:a="http://schemas.openxmlformats.org/drawingml/2006/main" xmlns:r="http://schemas.openxmlformats.org/officeDocument/2006/relationships" xmlns:p="http://schemas.openxmlformats.org/presentationml/2006/main">
+  <p:cSld>
+    <p:spTree>
+      <p:nvGrpSpPr>
+        <p:cNvPr id="1" name=""/>
+        <p:cNvGrpSpPr/>
+        <p:nvPr/>
+      </p:nvGrpSpPr>
+      <p:grpSpPr>
+        <a:xfrm>
+          <a:off x="0" y="0"/>
+          <a:ext cx="0" cy="0"/>
+          <a:chOff x="0" y="0"/>
+          <a:chExt cx="0" cy="0"/>
+        </a:xfrm>
+      </p:grpSpPr>
+      <p:sp>
+        <p:nvSpPr>
+          <p:cNvPr id="2" name="Title 1">
+            <a:extLst>
+              <a:ext uri="{FF2B5EF4-FFF2-40B4-BE49-F238E27FC236}">
+                <a16:creationId xmlns:a16="http://schemas.microsoft.com/office/drawing/2014/main" id="{BA5F32F7-D4D9-5661-5602-B507EEA93A85}"/>
+              </a:ext>
+            </a:extLst>
+          </p:cNvPr>
+          <p:cNvSpPr>
+            <a:spLocks noGrp="1"/>
+          </p:cNvSpPr>
+          <p:nvPr>
+            <p:ph type="title"/>
+          </p:nvPr>
+        </p:nvSpPr>
+        <p:spPr/>
+        <p:txBody>
+          <a:bodyPr/>
+          <a:lstStyle/>
+          <a:p>
+            <a:r>
+              <a:rPr lang="en-US" dirty="0"/>
+              <a:t>Week8 Handouts (cont.)</a:t>
+            </a:r>
+            <a:endParaRPr lang="en-AU" dirty="0"/>
+          </a:p>
+        </p:txBody>
+      </p:sp>
+      <p:pic>
+        <p:nvPicPr>
+          <p:cNvPr id="5" name="Content Placeholder 4">
+            <a:extLst>
+              <a:ext uri="{FF2B5EF4-FFF2-40B4-BE49-F238E27FC236}">
+                <a16:creationId xmlns:a16="http://schemas.microsoft.com/office/drawing/2014/main" id="{5AE29AF1-5614-37D6-789D-C62FAFFAD88F}"/>
+              </a:ext>
+            </a:extLst>
+          </p:cNvPr>
+          <p:cNvPicPr>
+            <a:picLocks noGrp="1" noChangeAspect="1"/>
+          </p:cNvPicPr>
+          <p:nvPr>
+            <p:ph sz="half" idx="1"/>
+          </p:nvPr>
+        </p:nvPicPr>
+        <p:blipFill>
+          <a:blip r:embed="rId2"/>
+          <a:stretch>
+            <a:fillRect/>
+          </a:stretch>
+        </p:blipFill>
+        <p:spPr>
+          <a:xfrm>
+            <a:off x="885825" y="1858169"/>
+            <a:ext cx="5086350" cy="4286250"/>
+          </a:xfrm>
+          <a:prstGeom prst="rect">
+            <a:avLst/>
+          </a:prstGeom>
+        </p:spPr>
+      </p:pic>
+      <p:pic>
+        <p:nvPicPr>
+          <p:cNvPr id="6" name="Content Placeholder 5">
+            <a:extLst>
+              <a:ext uri="{FF2B5EF4-FFF2-40B4-BE49-F238E27FC236}">
+                <a16:creationId xmlns:a16="http://schemas.microsoft.com/office/drawing/2014/main" id="{794465B2-58B9-B350-9DB1-C809F1F5DEAD}"/>
+              </a:ext>
+            </a:extLst>
+          </p:cNvPr>
+          <p:cNvPicPr>
+            <a:picLocks noGrp="1" noChangeAspect="1"/>
+          </p:cNvPicPr>
+          <p:nvPr>
+            <p:ph sz="half" idx="2"/>
+          </p:nvPr>
+        </p:nvPicPr>
+        <p:blipFill>
+          <a:blip r:embed="rId3"/>
+          <a:stretch>
+            <a:fillRect/>
+          </a:stretch>
+        </p:blipFill>
+        <p:spPr>
+          <a:xfrm>
+            <a:off x="6248356" y="1825625"/>
+            <a:ext cx="5029288" cy="4351338"/>
+          </a:xfrm>
+          <a:prstGeom prst="rect">
+            <a:avLst/>
+          </a:prstGeom>
+        </p:spPr>
+      </p:pic>
+    </p:spTree>
+    <p:extLst>
+      <p:ext uri="{BB962C8B-B14F-4D97-AF65-F5344CB8AC3E}">
+        <p14:creationId xmlns:p14="http://schemas.microsoft.com/office/powerpoint/2010/main" val="2098274362"/>
+      </p:ext>
+    </p:extLst>
+  </p:cSld>
+  <p:clrMapOvr>
+    <a:masterClrMapping/>
+  </p:clrMapOvr>
+</p:sld>
+</file>
+
+<file path=ppt/slides/slide5.xml><?xml version="1.0" encoding="utf-8"?>
+<p:sld xmlns:a="http://schemas.openxmlformats.org/drawingml/2006/main" xmlns:r="http://schemas.openxmlformats.org/officeDocument/2006/relationships" xmlns:p="http://schemas.openxmlformats.org/presentationml/2006/main">
+  <p:cSld>
+    <p:spTree>
+      <p:nvGrpSpPr>
+        <p:cNvPr id="1" name=""/>
+        <p:cNvGrpSpPr/>
+        <p:nvPr/>
+      </p:nvGrpSpPr>
+      <p:grpSpPr>
+        <a:xfrm>
+          <a:off x="0" y="0"/>
+          <a:ext cx="0" cy="0"/>
+          <a:chOff x="0" y="0"/>
+          <a:chExt cx="0" cy="0"/>
+        </a:xfrm>
+      </p:grpSpPr>
+      <p:sp>
+        <p:nvSpPr>
+          <p:cNvPr id="2" name="Title 1">
+            <a:extLst>
+              <a:ext uri="{FF2B5EF4-FFF2-40B4-BE49-F238E27FC236}">
+                <a16:creationId xmlns:a16="http://schemas.microsoft.com/office/drawing/2014/main" id="{98D252A0-7EC8-87BC-8748-650095095330}"/>
+              </a:ext>
+            </a:extLst>
+          </p:cNvPr>
+          <p:cNvSpPr>
+            <a:spLocks noGrp="1"/>
+          </p:cNvSpPr>
+          <p:nvPr>
+            <p:ph type="title"/>
+          </p:nvPr>
+        </p:nvSpPr>
+        <p:spPr/>
+        <p:txBody>
+          <a:bodyPr/>
+          <a:lstStyle/>
+          <a:p>
+            <a:r>
+              <a:rPr lang="en-US" dirty="0"/>
+              <a:t>Week8 Handouts (cont.)</a:t>
+            </a:r>
+            <a:endParaRPr lang="en-AU" dirty="0"/>
+          </a:p>
+        </p:txBody>
+      </p:sp>
+      <p:pic>
+        <p:nvPicPr>
+          <p:cNvPr id="5" name="Content Placeholder 4" descr="A screenshot of a computer&#10;&#10;Description automatically generated">
+            <a:extLst>
+              <a:ext uri="{FF2B5EF4-FFF2-40B4-BE49-F238E27FC236}">
+                <a16:creationId xmlns:a16="http://schemas.microsoft.com/office/drawing/2014/main" id="{3CAC0475-D658-26E7-133A-422A3EFF34B3}"/>
+              </a:ext>
+            </a:extLst>
+          </p:cNvPr>
+          <p:cNvPicPr>
+            <a:picLocks noGrp="1" noChangeAspect="1"/>
+          </p:cNvPicPr>
+          <p:nvPr>
+            <p:ph sz="half" idx="1"/>
+          </p:nvPr>
+        </p:nvPicPr>
+        <p:blipFill>
+          <a:blip r:embed="rId2"/>
+          <a:stretch>
+            <a:fillRect/>
+          </a:stretch>
+        </p:blipFill>
+        <p:spPr>
+          <a:xfrm>
+            <a:off x="838200" y="2207663"/>
+            <a:ext cx="5181600" cy="3587261"/>
+          </a:xfrm>
+          <a:prstGeom prst="rect">
+            <a:avLst/>
+          </a:prstGeom>
+        </p:spPr>
+      </p:pic>
+      <p:sp>
+        <p:nvSpPr>
+          <p:cNvPr id="8" name="Content Placeholder 7">
+            <a:extLst>
+              <a:ext uri="{FF2B5EF4-FFF2-40B4-BE49-F238E27FC236}">
+                <a16:creationId xmlns:a16="http://schemas.microsoft.com/office/drawing/2014/main" id="{1A29991A-12D0-2526-FDA7-D068372002AB}"/>
+              </a:ext>
+            </a:extLst>
+          </p:cNvPr>
+          <p:cNvSpPr>
+            <a:spLocks noGrp="1"/>
+          </p:cNvSpPr>
+          <p:nvPr>
+            <p:ph sz="half" idx="2"/>
+          </p:nvPr>
+        </p:nvSpPr>
+        <p:spPr/>
+        <p:txBody>
+          <a:bodyPr/>
+          <a:lstStyle/>
+          <a:p>
+            <a:endParaRPr lang="en-AU" dirty="0"/>
+          </a:p>
+        </p:txBody>
+      </p:sp>
+    </p:spTree>
+    <p:extLst>
+      <p:ext uri="{BB962C8B-B14F-4D97-AF65-F5344CB8AC3E}">
+        <p14:creationId xmlns:p14="http://schemas.microsoft.com/office/powerpoint/2010/main" val="2084212172"/>
       </p:ext>
     </p:extLst>
   </p:cSld>
